--- a/doc/メタシェーダ概要.pptx
+++ b/doc/メタシェーダ概要.pptx
@@ -298,7 +298,7 @@
           <a:p>
             <a:fld id="{98AE12E2-7753-4377-90F7-EF6194EF6C2D}" type="datetimeFigureOut">
               <a:rPr kumimoji="1" lang="ja-JP" altLang="en-US" smtClean="0"/>
-              <a:t>2011/5/26</a:t>
+              <a:t>2011/5/28</a:t>
             </a:fld>
             <a:endParaRPr kumimoji="1" lang="ja-JP" altLang="en-US"/>
           </a:p>
@@ -500,7 +500,7 @@
           <a:p>
             <a:fld id="{98AE12E2-7753-4377-90F7-EF6194EF6C2D}" type="datetimeFigureOut">
               <a:rPr kumimoji="1" lang="ja-JP" altLang="en-US" smtClean="0"/>
-              <a:t>2011/5/26</a:t>
+              <a:t>2011/5/28</a:t>
             </a:fld>
             <a:endParaRPr kumimoji="1" lang="ja-JP" altLang="en-US"/>
           </a:p>
@@ -712,7 +712,7 @@
           <a:p>
             <a:fld id="{98AE12E2-7753-4377-90F7-EF6194EF6C2D}" type="datetimeFigureOut">
               <a:rPr kumimoji="1" lang="ja-JP" altLang="en-US" smtClean="0"/>
-              <a:t>2011/5/26</a:t>
+              <a:t>2011/5/28</a:t>
             </a:fld>
             <a:endParaRPr kumimoji="1" lang="ja-JP" altLang="en-US"/>
           </a:p>
@@ -914,7 +914,7 @@
           <a:p>
             <a:fld id="{98AE12E2-7753-4377-90F7-EF6194EF6C2D}" type="datetimeFigureOut">
               <a:rPr kumimoji="1" lang="ja-JP" altLang="en-US" smtClean="0"/>
-              <a:t>2011/5/26</a:t>
+              <a:t>2011/5/28</a:t>
             </a:fld>
             <a:endParaRPr kumimoji="1" lang="ja-JP" altLang="en-US"/>
           </a:p>
@@ -1160,7 +1160,7 @@
           <a:p>
             <a:fld id="{98AE12E2-7753-4377-90F7-EF6194EF6C2D}" type="datetimeFigureOut">
               <a:rPr kumimoji="1" lang="ja-JP" altLang="en-US" smtClean="0"/>
-              <a:t>2011/5/26</a:t>
+              <a:t>2011/5/28</a:t>
             </a:fld>
             <a:endParaRPr kumimoji="1" lang="ja-JP" altLang="en-US"/>
           </a:p>
@@ -1512,7 +1512,7 @@
           <a:p>
             <a:fld id="{98AE12E2-7753-4377-90F7-EF6194EF6C2D}" type="datetimeFigureOut">
               <a:rPr kumimoji="1" lang="ja-JP" altLang="en-US" smtClean="0"/>
-              <a:t>2011/5/26</a:t>
+              <a:t>2011/5/28</a:t>
             </a:fld>
             <a:endParaRPr kumimoji="1" lang="ja-JP" altLang="en-US"/>
           </a:p>
@@ -1998,7 +1998,7 @@
           <a:p>
             <a:fld id="{98AE12E2-7753-4377-90F7-EF6194EF6C2D}" type="datetimeFigureOut">
               <a:rPr kumimoji="1" lang="ja-JP" altLang="en-US" smtClean="0"/>
-              <a:t>2011/5/26</a:t>
+              <a:t>2011/5/28</a:t>
             </a:fld>
             <a:endParaRPr kumimoji="1" lang="ja-JP" altLang="en-US"/>
           </a:p>
@@ -2116,7 +2116,7 @@
           <a:p>
             <a:fld id="{98AE12E2-7753-4377-90F7-EF6194EF6C2D}" type="datetimeFigureOut">
               <a:rPr kumimoji="1" lang="ja-JP" altLang="en-US" smtClean="0"/>
-              <a:t>2011/5/26</a:t>
+              <a:t>2011/5/28</a:t>
             </a:fld>
             <a:endParaRPr kumimoji="1" lang="ja-JP" altLang="en-US"/>
           </a:p>
@@ -2211,7 +2211,7 @@
           <a:p>
             <a:fld id="{98AE12E2-7753-4377-90F7-EF6194EF6C2D}" type="datetimeFigureOut">
               <a:rPr kumimoji="1" lang="ja-JP" altLang="en-US" smtClean="0"/>
-              <a:t>2011/5/26</a:t>
+              <a:t>2011/5/28</a:t>
             </a:fld>
             <a:endParaRPr kumimoji="1" lang="ja-JP" altLang="en-US"/>
           </a:p>
@@ -2520,7 +2520,7 @@
           <a:p>
             <a:fld id="{98AE12E2-7753-4377-90F7-EF6194EF6C2D}" type="datetimeFigureOut">
               <a:rPr kumimoji="1" lang="ja-JP" altLang="en-US" smtClean="0"/>
-              <a:t>2011/5/26</a:t>
+              <a:t>2011/5/28</a:t>
             </a:fld>
             <a:endParaRPr kumimoji="1" lang="ja-JP" altLang="en-US"/>
           </a:p>
@@ -2773,7 +2773,7 @@
           <a:p>
             <a:fld id="{98AE12E2-7753-4377-90F7-EF6194EF6C2D}" type="datetimeFigureOut">
               <a:rPr kumimoji="1" lang="ja-JP" altLang="en-US" smtClean="0"/>
-              <a:t>2011/5/26</a:t>
+              <a:t>2011/5/28</a:t>
             </a:fld>
             <a:endParaRPr kumimoji="1" lang="ja-JP" altLang="en-US"/>
           </a:p>
@@ -3018,7 +3018,7 @@
           <a:p>
             <a:fld id="{98AE12E2-7753-4377-90F7-EF6194EF6C2D}" type="datetimeFigureOut">
               <a:rPr kumimoji="1" lang="ja-JP" altLang="en-US" smtClean="0"/>
-              <a:t>2011/5/26</a:t>
+              <a:t>2011/5/28</a:t>
             </a:fld>
             <a:endParaRPr kumimoji="1" lang="ja-JP" altLang="en-US"/>
           </a:p>
@@ -3482,7 +3482,12 @@
             <p:ph type="title"/>
           </p:nvPr>
         </p:nvSpPr>
-        <p:spPr/>
+        <p:spPr>
+          <a:xfrm>
+            <a:off x="518864" y="44624"/>
+            <a:ext cx="8229600" cy="1143000"/>
+          </a:xfrm>
+        </p:spPr>
         <p:txBody>
           <a:bodyPr>
             <a:normAutofit/>
@@ -3490,8 +3495,16 @@
           <a:lstStyle/>
           <a:p>
             <a:r>
+              <a:rPr lang="en-US" altLang="ja-JP" sz="3200" dirty="0" smtClean="0"/>
+              <a:t>2.</a:t>
+            </a:r>
+            <a:r>
+              <a:rPr lang="ja-JP" altLang="en-US" sz="3200" dirty="0" smtClean="0"/>
+              <a:t>各種</a:t>
+            </a:r>
+            <a:r>
               <a:rPr lang="ja-JP" altLang="en-US" sz="3200" dirty="0"/>
-              <a:t>各種ノードを配置し、リンクでノード同士を</a:t>
+              <a:t>ノードを配置し、リンクでノード同士を</a:t>
             </a:r>
             <a:r>
               <a:rPr lang="ja-JP" altLang="en-US" sz="3200" dirty="0" smtClean="0"/>
@@ -3513,8 +3526,8 @@
         </p:nvSpPr>
         <p:spPr>
           <a:xfrm>
-            <a:off x="323528" y="1578496"/>
-            <a:ext cx="8505188" cy="3866728"/>
+            <a:off x="323528" y="1196752"/>
+            <a:ext cx="8640960" cy="5472608"/>
           </a:xfrm>
         </p:spPr>
         <p:txBody>
@@ -3529,11 +3542,7 @@
             </a:pPr>
             <a:r>
               <a:rPr kumimoji="1" lang="ja-JP" altLang="en-US" sz="2800" dirty="0" smtClean="0"/>
-              <a:t>ノード</a:t>
-            </a:r>
-            <a:r>
-              <a:rPr kumimoji="1" lang="ja-JP" altLang="en-US" sz="2800" dirty="0" smtClean="0"/>
-              <a:t>の配置</a:t>
+              <a:t>ノードの配置</a:t>
             </a:r>
             <a:endParaRPr kumimoji="1" lang="en-US" altLang="ja-JP" sz="2800" dirty="0" smtClean="0"/>
           </a:p>
@@ -3596,9 +3605,55 @@
             </a:pPr>
             <a:r>
               <a:rPr lang="ja-JP" altLang="en-US" sz="2400" dirty="0" smtClean="0"/>
-              <a:t>繋げたい別のノードの左側（入力側）のツマミ上でドロップ</a:t>
-            </a:r>
-            <a:endParaRPr kumimoji="1" lang="en-US" altLang="ja-JP" sz="2400" dirty="0" smtClean="0"/>
+              <a:t>繋げたい別のノードの左側（入力側）のツマミ上で</a:t>
+            </a:r>
+            <a:r>
+              <a:rPr lang="ja-JP" altLang="en-US" sz="2400" dirty="0" smtClean="0"/>
+              <a:t>ドロップ</a:t>
+            </a:r>
+            <a:endParaRPr lang="en-US" altLang="ja-JP" sz="2400" dirty="0"/>
+          </a:p>
+          <a:p>
+            <a:pPr marL="0" indent="0">
+              <a:buNone/>
+            </a:pPr>
+            <a:r>
+              <a:rPr kumimoji="1" lang="en-US" altLang="ja-JP" sz="2400" dirty="0" smtClean="0">
+                <a:solidFill>
+                  <a:srgbClr val="FF0000"/>
+                </a:solidFill>
+              </a:rPr>
+              <a:t>※</a:t>
+            </a:r>
+            <a:r>
+              <a:rPr kumimoji="1" lang="ja-JP" altLang="en-US" sz="2400" dirty="0" smtClean="0">
+                <a:solidFill>
+                  <a:srgbClr val="FF0000"/>
+                </a:solidFill>
+              </a:rPr>
+              <a:t>ノードは最終的に</a:t>
+            </a:r>
+            <a:r>
+              <a:rPr kumimoji="1" lang="en-US" altLang="ja-JP" sz="2400" dirty="0" err="1" smtClean="0">
+                <a:solidFill>
+                  <a:srgbClr val="FF0000"/>
+                </a:solidFill>
+              </a:rPr>
+              <a:t>OutputMaterial</a:t>
+            </a:r>
+            <a:r>
+              <a:rPr kumimoji="1" lang="ja-JP" altLang="en-US" sz="2400" dirty="0" smtClean="0">
+                <a:solidFill>
+                  <a:srgbClr val="FF0000"/>
+                </a:solidFill>
+              </a:rPr>
+              <a:t>に　　　　　　　　　　　　　　　　　　　　　　　　　　　つながっていないと効果がない</a:t>
+            </a:r>
+            <a:endParaRPr kumimoji="1" lang="en-US" altLang="ja-JP" sz="2400" dirty="0" smtClean="0">
+              <a:solidFill>
+                <a:srgbClr val="FF0000"/>
+              </a:solidFill>
+            </a:endParaRPr>
           </a:p>
         </p:txBody>
       </p:sp>
@@ -3623,7 +3678,7 @@
         </p:blipFill>
         <p:spPr bwMode="auto">
           <a:xfrm>
-            <a:off x="6475875" y="1844824"/>
+            <a:off x="6300192" y="1268760"/>
             <a:ext cx="2488235" cy="1800200"/>
           </a:xfrm>
           <a:prstGeom prst="rect">
@@ -3664,8 +3719,8 @@
         </p:blipFill>
         <p:spPr bwMode="auto">
           <a:xfrm>
-            <a:off x="5116652" y="4725144"/>
-            <a:ext cx="2718445" cy="1807276"/>
+            <a:off x="5364088" y="4437112"/>
+            <a:ext cx="2924426" cy="1944216"/>
           </a:xfrm>
           <a:prstGeom prst="rect">
             <a:avLst/>
@@ -3737,8 +3792,16 @@
           <a:lstStyle/>
           <a:p>
             <a:r>
+              <a:rPr lang="en-US" altLang="ja-JP" sz="3200" dirty="0" smtClean="0"/>
+              <a:t>3.</a:t>
+            </a:r>
+            <a:r>
+              <a:rPr lang="ja-JP" altLang="en-US" sz="3200" dirty="0" smtClean="0"/>
+              <a:t>各ノード</a:t>
+            </a:r>
+            <a:r>
               <a:rPr lang="ja-JP" altLang="en-US" sz="3200" dirty="0"/>
-              <a:t>各ノードのプロパティ</a:t>
+              <a:t>のプロパティ</a:t>
             </a:r>
             <a:r>
               <a:rPr lang="ja-JP" altLang="en-US" sz="3200" dirty="0" smtClean="0"/>
@@ -3776,11 +3839,7 @@
             </a:pPr>
             <a:r>
               <a:rPr lang="ja-JP" altLang="en-US" sz="2400" dirty="0" smtClean="0"/>
-              <a:t>編集</a:t>
-            </a:r>
-            <a:r>
-              <a:rPr lang="ja-JP" altLang="en-US" sz="2400" dirty="0" smtClean="0"/>
-              <a:t>したいノードを左クリックで選択</a:t>
+              <a:t>編集したいノードを左クリックで選択</a:t>
             </a:r>
             <a:endParaRPr lang="en-US" altLang="ja-JP" sz="2400" dirty="0" smtClean="0"/>
           </a:p>
@@ -3856,11 +3915,7 @@
             </a:pPr>
             <a:r>
               <a:rPr lang="ja-JP" altLang="en-US" sz="2400" dirty="0" smtClean="0"/>
-              <a:t>一部</a:t>
-            </a:r>
-            <a:r>
-              <a:rPr lang="ja-JP" altLang="en-US" sz="2400" dirty="0" smtClean="0"/>
-              <a:t>はサムネイルのダブルクリックから編集可能</a:t>
+              <a:t>一部はサムネイルのダブルクリックから編集可能</a:t>
             </a:r>
             <a:endParaRPr lang="en-US" altLang="ja-JP" sz="2400" dirty="0" smtClean="0"/>
           </a:p>
@@ -5060,11 +5115,11 @@
   <p:clrMapOvr>
     <a:masterClrMapping/>
   </p:clrMapOvr>
-  <mc:AlternateContent xmlns:mc="http://schemas.openxmlformats.org/markup-compatibility/2006">
-    <mc:Choice xmlns:p14="http://schemas.microsoft.com/office/powerpoint/2010/main" Requires="p14">
+  <mc:AlternateContent xmlns:mc="http://schemas.openxmlformats.org/markup-compatibility/2006" xmlns:p14="http://schemas.microsoft.com/office/powerpoint/2010/main">
+    <mc:Choice Requires="p14">
       <p:transition spd="slow" p14:dur="2000"/>
     </mc:Choice>
-    <mc:Fallback>
+    <mc:Fallback xmlns="">
       <p:transition spd="slow"/>
     </mc:Fallback>
   </mc:AlternateContent>
@@ -5213,11 +5268,7 @@
             </a:pPr>
             <a:r>
               <a:rPr kumimoji="1" lang="ja-JP" altLang="en-US" sz="2200" dirty="0" smtClean="0"/>
-              <a:t>「</a:t>
-            </a:r>
-            <a:r>
-              <a:rPr kumimoji="1" lang="ja-JP" altLang="en-US" sz="2200" dirty="0" smtClean="0"/>
-              <a:t>ファイル」⇒「開く」を選択</a:t>
+              <a:t>「ファイル」⇒「開く」を選択</a:t>
             </a:r>
             <a:endParaRPr kumimoji="1" lang="en-US" altLang="ja-JP" sz="2200" dirty="0" smtClean="0"/>
           </a:p>
@@ -6564,10 +6615,14 @@
               <a:buAutoNum type="arabicPeriod"/>
             </a:pPr>
             <a:r>
-              <a:rPr kumimoji="1" lang="ja-JP" altLang="en-US" sz="2800" dirty="0" smtClean="0"/>
-              <a:t>出力ノードを配置する</a:t>
-            </a:r>
-            <a:endParaRPr kumimoji="1" lang="en-US" altLang="ja-JP" sz="2800" dirty="0" smtClean="0"/>
+              <a:rPr lang="ja-JP" altLang="en-US" sz="2800" dirty="0" smtClean="0"/>
+              <a:t>マテリアル</a:t>
+            </a:r>
+            <a:r>
+              <a:rPr lang="ja-JP" altLang="en-US" sz="2800" dirty="0" smtClean="0"/>
+              <a:t>を選択する</a:t>
+            </a:r>
+            <a:endParaRPr lang="en-US" altLang="ja-JP" sz="2800" dirty="0" smtClean="0"/>
           </a:p>
           <a:p>
             <a:pPr marL="514350" indent="-514350">
@@ -6575,14 +6630,14 @@
               <a:buAutoNum type="arabicPeriod"/>
             </a:pPr>
             <a:r>
-              <a:rPr lang="ja-JP" altLang="en-US" sz="2800" dirty="0"/>
-              <a:t>マテリアル</a:t>
-            </a:r>
-            <a:r>
-              <a:rPr lang="ja-JP" altLang="en-US" sz="2800" dirty="0" smtClean="0"/>
-              <a:t>を選択する</a:t>
-            </a:r>
-            <a:endParaRPr lang="en-US" altLang="ja-JP" sz="2800" dirty="0" smtClean="0"/>
+              <a:rPr kumimoji="1" lang="ja-JP" altLang="en-US" sz="2800" dirty="0" smtClean="0"/>
+              <a:t>各種ノードを配置し、リンクでノード同士を</a:t>
+            </a:r>
+            <a:r>
+              <a:rPr kumimoji="1" lang="ja-JP" altLang="en-US" sz="2800" dirty="0" smtClean="0"/>
+              <a:t>繋ぐ</a:t>
+            </a:r>
+            <a:endParaRPr kumimoji="1" lang="en-US" altLang="ja-JP" sz="2800" dirty="0" smtClean="0"/>
           </a:p>
           <a:p>
             <a:pPr marL="514350" indent="-514350">
@@ -6590,23 +6645,8 @@
               <a:buAutoNum type="arabicPeriod"/>
             </a:pPr>
             <a:r>
-              <a:rPr kumimoji="1" lang="ja-JP" altLang="en-US" sz="2800" dirty="0" smtClean="0"/>
-              <a:t>各種ノードを配置し、リンクでノード同士を繋ぐ</a:t>
-            </a:r>
-            <a:endParaRPr kumimoji="1" lang="en-US" altLang="ja-JP" sz="2800" dirty="0" smtClean="0"/>
-          </a:p>
-          <a:p>
-            <a:pPr marL="514350" indent="-514350">
-              <a:buFont typeface="+mj-lt"/>
-              <a:buAutoNum type="arabicPeriod"/>
-            </a:pPr>
-            <a:r>
               <a:rPr lang="ja-JP" altLang="en-US" sz="2800" dirty="0" smtClean="0"/>
-              <a:t>各ノードのプロパティ</a:t>
-            </a:r>
-            <a:r>
-              <a:rPr lang="ja-JP" altLang="en-US" sz="2800" dirty="0" smtClean="0"/>
-              <a:t>を編集</a:t>
+              <a:t>各ノードのプロパティを編集</a:t>
             </a:r>
             <a:endParaRPr lang="en-US" altLang="ja-JP" sz="2800" dirty="0" smtClean="0"/>
           </a:p>
@@ -6711,8 +6751,16 @@
           <a:lstStyle/>
           <a:p>
             <a:r>
+              <a:rPr lang="en-US" altLang="ja-JP" sz="3200" dirty="0"/>
+              <a:t>1.</a:t>
+            </a:r>
+            <a:r>
               <a:rPr kumimoji="1" lang="ja-JP" altLang="en-US" sz="3200" dirty="0" smtClean="0"/>
-              <a:t>マテリアルを選択する</a:t>
+              <a:t>マテリアル</a:t>
+            </a:r>
+            <a:r>
+              <a:rPr kumimoji="1" lang="ja-JP" altLang="en-US" sz="3200" dirty="0" smtClean="0"/>
+              <a:t>を選択する</a:t>
             </a:r>
             <a:endParaRPr kumimoji="1" lang="ja-JP" altLang="en-US" sz="3200" dirty="0"/>
           </a:p>

--- a/doc/メタシェーダ概要.pptx
+++ b/doc/メタシェーダ概要.pptx
@@ -298,7 +298,7 @@
           <a:p>
             <a:fld id="{98AE12E2-7753-4377-90F7-EF6194EF6C2D}" type="datetimeFigureOut">
               <a:rPr kumimoji="1" lang="ja-JP" altLang="en-US" smtClean="0"/>
-              <a:t>2011/5/28</a:t>
+              <a:t>2011/6/2</a:t>
             </a:fld>
             <a:endParaRPr kumimoji="1" lang="ja-JP" altLang="en-US"/>
           </a:p>
@@ -500,7 +500,7 @@
           <a:p>
             <a:fld id="{98AE12E2-7753-4377-90F7-EF6194EF6C2D}" type="datetimeFigureOut">
               <a:rPr kumimoji="1" lang="ja-JP" altLang="en-US" smtClean="0"/>
-              <a:t>2011/5/28</a:t>
+              <a:t>2011/6/2</a:t>
             </a:fld>
             <a:endParaRPr kumimoji="1" lang="ja-JP" altLang="en-US"/>
           </a:p>
@@ -712,7 +712,7 @@
           <a:p>
             <a:fld id="{98AE12E2-7753-4377-90F7-EF6194EF6C2D}" type="datetimeFigureOut">
               <a:rPr kumimoji="1" lang="ja-JP" altLang="en-US" smtClean="0"/>
-              <a:t>2011/5/28</a:t>
+              <a:t>2011/6/2</a:t>
             </a:fld>
             <a:endParaRPr kumimoji="1" lang="ja-JP" altLang="en-US"/>
           </a:p>
@@ -914,7 +914,7 @@
           <a:p>
             <a:fld id="{98AE12E2-7753-4377-90F7-EF6194EF6C2D}" type="datetimeFigureOut">
               <a:rPr kumimoji="1" lang="ja-JP" altLang="en-US" smtClean="0"/>
-              <a:t>2011/5/28</a:t>
+              <a:t>2011/6/2</a:t>
             </a:fld>
             <a:endParaRPr kumimoji="1" lang="ja-JP" altLang="en-US"/>
           </a:p>
@@ -1160,7 +1160,7 @@
           <a:p>
             <a:fld id="{98AE12E2-7753-4377-90F7-EF6194EF6C2D}" type="datetimeFigureOut">
               <a:rPr kumimoji="1" lang="ja-JP" altLang="en-US" smtClean="0"/>
-              <a:t>2011/5/28</a:t>
+              <a:t>2011/6/2</a:t>
             </a:fld>
             <a:endParaRPr kumimoji="1" lang="ja-JP" altLang="en-US"/>
           </a:p>
@@ -1512,7 +1512,7 @@
           <a:p>
             <a:fld id="{98AE12E2-7753-4377-90F7-EF6194EF6C2D}" type="datetimeFigureOut">
               <a:rPr kumimoji="1" lang="ja-JP" altLang="en-US" smtClean="0"/>
-              <a:t>2011/5/28</a:t>
+              <a:t>2011/6/2</a:t>
             </a:fld>
             <a:endParaRPr kumimoji="1" lang="ja-JP" altLang="en-US"/>
           </a:p>
@@ -1998,7 +1998,7 @@
           <a:p>
             <a:fld id="{98AE12E2-7753-4377-90F7-EF6194EF6C2D}" type="datetimeFigureOut">
               <a:rPr kumimoji="1" lang="ja-JP" altLang="en-US" smtClean="0"/>
-              <a:t>2011/5/28</a:t>
+              <a:t>2011/6/2</a:t>
             </a:fld>
             <a:endParaRPr kumimoji="1" lang="ja-JP" altLang="en-US"/>
           </a:p>
@@ -2116,7 +2116,7 @@
           <a:p>
             <a:fld id="{98AE12E2-7753-4377-90F7-EF6194EF6C2D}" type="datetimeFigureOut">
               <a:rPr kumimoji="1" lang="ja-JP" altLang="en-US" smtClean="0"/>
-              <a:t>2011/5/28</a:t>
+              <a:t>2011/6/2</a:t>
             </a:fld>
             <a:endParaRPr kumimoji="1" lang="ja-JP" altLang="en-US"/>
           </a:p>
@@ -2211,7 +2211,7 @@
           <a:p>
             <a:fld id="{98AE12E2-7753-4377-90F7-EF6194EF6C2D}" type="datetimeFigureOut">
               <a:rPr kumimoji="1" lang="ja-JP" altLang="en-US" smtClean="0"/>
-              <a:t>2011/5/28</a:t>
+              <a:t>2011/6/2</a:t>
             </a:fld>
             <a:endParaRPr kumimoji="1" lang="ja-JP" altLang="en-US"/>
           </a:p>
@@ -2520,7 +2520,7 @@
           <a:p>
             <a:fld id="{98AE12E2-7753-4377-90F7-EF6194EF6C2D}" type="datetimeFigureOut">
               <a:rPr kumimoji="1" lang="ja-JP" altLang="en-US" smtClean="0"/>
-              <a:t>2011/5/28</a:t>
+              <a:t>2011/6/2</a:t>
             </a:fld>
             <a:endParaRPr kumimoji="1" lang="ja-JP" altLang="en-US"/>
           </a:p>
@@ -2773,7 +2773,7 @@
           <a:p>
             <a:fld id="{98AE12E2-7753-4377-90F7-EF6194EF6C2D}" type="datetimeFigureOut">
               <a:rPr kumimoji="1" lang="ja-JP" altLang="en-US" smtClean="0"/>
-              <a:t>2011/5/28</a:t>
+              <a:t>2011/6/2</a:t>
             </a:fld>
             <a:endParaRPr kumimoji="1" lang="ja-JP" altLang="en-US"/>
           </a:p>
@@ -3018,7 +3018,7 @@
           <a:p>
             <a:fld id="{98AE12E2-7753-4377-90F7-EF6194EF6C2D}" type="datetimeFigureOut">
               <a:rPr kumimoji="1" lang="ja-JP" altLang="en-US" smtClean="0"/>
-              <a:t>2011/5/28</a:t>
+              <a:t>2011/6/2</a:t>
             </a:fld>
             <a:endParaRPr kumimoji="1" lang="ja-JP" altLang="en-US"/>
           </a:p>
@@ -3605,11 +3605,7 @@
             </a:pPr>
             <a:r>
               <a:rPr lang="ja-JP" altLang="en-US" sz="2400" dirty="0" smtClean="0"/>
-              <a:t>繋げたい別のノードの左側（入力側）のツマミ上で</a:t>
-            </a:r>
-            <a:r>
-              <a:rPr lang="ja-JP" altLang="en-US" sz="2400" dirty="0" smtClean="0"/>
-              <a:t>ドロップ</a:t>
+              <a:t>繋げたい別のノードの左側（入力側）のツマミ上でドロップ</a:t>
             </a:r>
             <a:endParaRPr lang="en-US" altLang="ja-JP" sz="2400" dirty="0"/>
           </a:p>
@@ -5291,29 +5287,37 @@
             </a:r>
             <a:r>
               <a:rPr lang="en-US" altLang="ja-JP" sz="2200" dirty="0" smtClean="0"/>
-              <a:t>/data/sample/</a:t>
-            </a:r>
-            <a:r>
-              <a:rPr lang="ja-JP" altLang="en-US" sz="2200" dirty="0">
-                <a:solidFill>
-                  <a:srgbClr val="FF0000"/>
-                </a:solidFill>
-              </a:rPr>
-              <a:t>要</a:t>
-            </a:r>
-            <a:r>
-              <a:rPr lang="ja-JP" altLang="en-US" sz="2200" dirty="0" smtClean="0">
-                <a:solidFill>
-                  <a:srgbClr val="FF0000"/>
-                </a:solidFill>
-              </a:rPr>
-              <a:t>修正</a:t>
+              <a:t>/data/sample</a:t>
             </a:r>
             <a:r>
               <a:rPr lang="ja-JP" altLang="en-US" sz="2200" dirty="0" smtClean="0"/>
-              <a:t>」を選択</a:t>
-            </a:r>
-            <a:endParaRPr kumimoji="1" lang="en-US" altLang="ja-JP" sz="2200" dirty="0" smtClean="0"/>
+              <a:t>」フォルダ内の「</a:t>
+            </a:r>
+            <a:r>
+              <a:rPr lang="en-US" altLang="ja-JP" sz="2200" dirty="0" err="1" smtClean="0"/>
+              <a:t>msh</a:t>
+            </a:r>
+            <a:r>
+              <a:rPr lang="ja-JP" altLang="en-US" sz="2200" dirty="0" smtClean="0"/>
+              <a:t>」ファイルを選択</a:t>
+            </a:r>
+            <a:endParaRPr lang="en-US" altLang="ja-JP" sz="2200" dirty="0" smtClean="0"/>
+          </a:p>
+          <a:p>
+            <a:pPr marL="1314450" lvl="2" indent="-514350"/>
+            <a:r>
+              <a:rPr lang="en-US" altLang="ja-JP" sz="1800" dirty="0" err="1"/>
+              <a:t>m</a:t>
+            </a:r>
+            <a:r>
+              <a:rPr kumimoji="1" lang="en-US" altLang="ja-JP" sz="1800" dirty="0" err="1" smtClean="0"/>
+              <a:t>sh</a:t>
+            </a:r>
+            <a:r>
+              <a:rPr kumimoji="1" lang="ja-JP" altLang="en-US" sz="1800" dirty="0" smtClean="0"/>
+              <a:t>は「メタシェーダ」用データの拡張子</a:t>
+            </a:r>
+            <a:endParaRPr kumimoji="1" lang="en-US" altLang="ja-JP" sz="1800" dirty="0" smtClean="0"/>
           </a:p>
           <a:p>
             <a:endParaRPr kumimoji="1" lang="ja-JP" altLang="en-US" dirty="0"/>
@@ -6616,11 +6620,7 @@
             </a:pPr>
             <a:r>
               <a:rPr lang="ja-JP" altLang="en-US" sz="2800" dirty="0" smtClean="0"/>
-              <a:t>マテリアル</a:t>
-            </a:r>
-            <a:r>
-              <a:rPr lang="ja-JP" altLang="en-US" sz="2800" dirty="0" smtClean="0"/>
-              <a:t>を選択する</a:t>
+              <a:t>マテリアルを選択する</a:t>
             </a:r>
             <a:endParaRPr lang="en-US" altLang="ja-JP" sz="2800" dirty="0" smtClean="0"/>
           </a:p>
@@ -6631,11 +6631,7 @@
             </a:pPr>
             <a:r>
               <a:rPr kumimoji="1" lang="ja-JP" altLang="en-US" sz="2800" dirty="0" smtClean="0"/>
-              <a:t>各種ノードを配置し、リンクでノード同士を</a:t>
-            </a:r>
-            <a:r>
-              <a:rPr kumimoji="1" lang="ja-JP" altLang="en-US" sz="2800" dirty="0" smtClean="0"/>
-              <a:t>繋ぐ</a:t>
+              <a:t>各種ノードを配置し、リンクでノード同士を繋ぐ</a:t>
             </a:r>
             <a:endParaRPr kumimoji="1" lang="en-US" altLang="ja-JP" sz="2800" dirty="0" smtClean="0"/>
           </a:p>
@@ -6756,11 +6752,7 @@
             </a:r>
             <a:r>
               <a:rPr kumimoji="1" lang="ja-JP" altLang="en-US" sz="3200" dirty="0" smtClean="0"/>
-              <a:t>マテリアル</a:t>
-            </a:r>
-            <a:r>
-              <a:rPr kumimoji="1" lang="ja-JP" altLang="en-US" sz="3200" dirty="0" smtClean="0"/>
-              <a:t>を選択する</a:t>
+              <a:t>マテリアルを選択する</a:t>
             </a:r>
             <a:endParaRPr kumimoji="1" lang="ja-JP" altLang="en-US" sz="3200" dirty="0"/>
           </a:p>
